--- a/Contact Manager.pptx
+++ b/Contact Manager.pptx
@@ -205,7 +205,7 @@
           <a:p>
             <a:fld id="{85AE3C21-C3CB-4B8D-9033-56C1B3CE75FA}" type="datetimeFigureOut">
               <a:rPr lang="en-US" smtClean="0"/>
-              <a:t>6/5/2020</a:t>
+              <a:t>6/7/2020</a:t>
             </a:fld>
             <a:endParaRPr lang="en-US" dirty="0"/>
           </a:p>
@@ -567,7 +567,7 @@
           <a:effectLst/>
           <a:extLst>
             <a:ext uri="{91240B29-F687-4f45-9708-019B960494DF}">
-              <a14:hiddenLine xmlns="" xmlns:a14="http://schemas.microsoft.com/office/drawing/2010/main" w="9525">
+              <a14:hiddenLine xmlns:a14="http://schemas.microsoft.com/office/drawing/2010/main" xmlns="" w="9525">
                 <a:solidFill>
                   <a:srgbClr val="000000"/>
                 </a:solidFill>
@@ -759,7 +759,7 @@
           <a:p>
             <a:fld id="{E1EE9517-8E69-4FF1-9294-E1E54A394BAE}" type="datetime1">
               <a:rPr lang="en-US" smtClean="0"/>
-              <a:t>6/5/2020</a:t>
+              <a:t>6/7/2020</a:t>
             </a:fld>
             <a:endParaRPr lang="en-US" dirty="0"/>
           </a:p>
@@ -1073,7 +1073,7 @@
           <a:p>
             <a:fld id="{502DEFFE-95A2-43FF-99D5-6E7D22FB0B88}" type="datetime1">
               <a:rPr lang="en-US" smtClean="0"/>
-              <a:t>6/5/2020</a:t>
+              <a:t>6/7/2020</a:t>
             </a:fld>
             <a:endParaRPr lang="en-US" dirty="0"/>
           </a:p>
@@ -1557,7 +1557,7 @@
           <a:p>
             <a:fld id="{B028F6ED-3CC4-4AFC-845E-EA395F55A80F}" type="datetime1">
               <a:rPr lang="en-US" smtClean="0"/>
-              <a:t>6/5/2020</a:t>
+              <a:t>6/7/2020</a:t>
             </a:fld>
             <a:endParaRPr lang="en-US" dirty="0"/>
           </a:p>
@@ -1922,7 +1922,7 @@
           <a:p>
             <a:fld id="{2E898A29-D8FB-46E0-94ED-76B45654629F}" type="datetime1">
               <a:rPr lang="en-US" smtClean="0"/>
-              <a:t>6/5/2020</a:t>
+              <a:t>6/7/2020</a:t>
             </a:fld>
             <a:endParaRPr lang="en-US" dirty="0"/>
           </a:p>
@@ -2073,7 +2073,7 @@
           <a:ln/>
           <a:extLst>
             <a:ext uri="{91240B29-F687-4f45-9708-019B960494DF}">
-              <a14:hiddenLine xmlns="" xmlns:a14="http://schemas.microsoft.com/office/drawing/2010/main" w="9525">
+              <a14:hiddenLine xmlns:a14="http://schemas.microsoft.com/office/drawing/2010/main" xmlns="" w="9525">
                 <a:solidFill>
                   <a:srgbClr val="000000"/>
                 </a:solidFill>
@@ -2191,7 +2191,7 @@
           <a:p>
             <a:fld id="{4A8BF942-E3E4-447D-BFAE-5B5B25F76F4C}" type="datetime1">
               <a:rPr lang="en-US" smtClean="0"/>
-              <a:t>6/5/2020</a:t>
+              <a:t>6/7/2020</a:t>
             </a:fld>
             <a:endParaRPr lang="en-US" dirty="0"/>
           </a:p>
@@ -2344,7 +2344,7 @@
           <a:ln/>
           <a:extLst>
             <a:ext uri="{91240B29-F687-4f45-9708-019B960494DF}">
-              <a14:hiddenLine xmlns="" xmlns:a14="http://schemas.microsoft.com/office/drawing/2010/main" w="9525">
+              <a14:hiddenLine xmlns:a14="http://schemas.microsoft.com/office/drawing/2010/main" xmlns="" w="9525">
                 <a:solidFill>
                   <a:srgbClr val="000000"/>
                 </a:solidFill>
@@ -2472,7 +2472,7 @@
           <a:p>
             <a:fld id="{FB54C4CE-C594-4506-B364-99EFEEFBB023}" type="datetime1">
               <a:rPr lang="en-US" smtClean="0"/>
-              <a:t>6/5/2020</a:t>
+              <a:t>6/7/2020</a:t>
             </a:fld>
             <a:endParaRPr lang="en-US" dirty="0"/>
           </a:p>
@@ -2623,7 +2623,7 @@
           <a:ln/>
           <a:extLst>
             <a:ext uri="{91240B29-F687-4f45-9708-019B960494DF}">
-              <a14:hiddenLine xmlns="" xmlns:a14="http://schemas.microsoft.com/office/drawing/2010/main" w="9525">
+              <a14:hiddenLine xmlns:a14="http://schemas.microsoft.com/office/drawing/2010/main" xmlns="" w="9525">
                 <a:solidFill>
                   <a:srgbClr val="000000"/>
                 </a:solidFill>
@@ -2751,7 +2751,7 @@
           <a:p>
             <a:fld id="{DC1A8E48-174D-4FEB-9E49-805E25B6E4DE}" type="datetime1">
               <a:rPr lang="en-US" smtClean="0"/>
-              <a:t>6/5/2020</a:t>
+              <a:t>6/7/2020</a:t>
             </a:fld>
             <a:endParaRPr lang="en-US" dirty="0"/>
           </a:p>
@@ -3090,7 +3090,7 @@
           <a:p>
             <a:fld id="{3F78E718-7869-4C6F-963F-37646651C408}" type="datetime1">
               <a:rPr lang="en-US" smtClean="0"/>
-              <a:t>6/5/2020</a:t>
+              <a:t>6/7/2020</a:t>
             </a:fld>
             <a:endParaRPr lang="en-US" dirty="0"/>
           </a:p>
@@ -3241,7 +3241,7 @@
           <a:ln/>
           <a:extLst>
             <a:ext uri="{91240B29-F687-4f45-9708-019B960494DF}">
-              <a14:hiddenLine xmlns="" xmlns:a14="http://schemas.microsoft.com/office/drawing/2010/main" w="9525">
+              <a14:hiddenLine xmlns:a14="http://schemas.microsoft.com/office/drawing/2010/main" xmlns="" w="9525">
                 <a:solidFill>
                   <a:srgbClr val="000000"/>
                 </a:solidFill>
@@ -3425,7 +3425,7 @@
           <a:p>
             <a:fld id="{0BAC8F81-CFCC-4380-95A1-3EA40326D83F}" type="datetime1">
               <a:rPr lang="en-US" smtClean="0"/>
-              <a:t>6/5/2020</a:t>
+              <a:t>6/7/2020</a:t>
             </a:fld>
             <a:endParaRPr lang="en-US" dirty="0"/>
           </a:p>
@@ -3576,7 +3576,7 @@
           <a:ln/>
           <a:extLst>
             <a:ext uri="{91240B29-F687-4f45-9708-019B960494DF}">
-              <a14:hiddenLine xmlns="" xmlns:a14="http://schemas.microsoft.com/office/drawing/2010/main" w="9525">
+              <a14:hiddenLine xmlns:a14="http://schemas.microsoft.com/office/drawing/2010/main" xmlns="" w="9525">
                 <a:solidFill>
                   <a:srgbClr val="000000"/>
                 </a:solidFill>
@@ -3898,7 +3898,7 @@
           <a:p>
             <a:fld id="{34F3D059-B916-4F7C-A4ED-4054F320AB5E}" type="datetime1">
               <a:rPr lang="en-US" smtClean="0"/>
-              <a:t>6/5/2020</a:t>
+              <a:t>6/7/2020</a:t>
             </a:fld>
             <a:endParaRPr lang="en-US" dirty="0"/>
           </a:p>
@@ -4049,7 +4049,7 @@
           <a:ln/>
           <a:extLst>
             <a:ext uri="{91240B29-F687-4f45-9708-019B960494DF}">
-              <a14:hiddenLine xmlns="" xmlns:a14="http://schemas.microsoft.com/office/drawing/2010/main" w="9525">
+              <a14:hiddenLine xmlns:a14="http://schemas.microsoft.com/office/drawing/2010/main" xmlns="" w="9525">
                 <a:solidFill>
                   <a:srgbClr val="000000"/>
                 </a:solidFill>
@@ -4115,7 +4115,7 @@
           <a:p>
             <a:fld id="{07DC09DA-8BB6-47A9-8041-F86B534ABC44}" type="datetime1">
               <a:rPr lang="en-US" smtClean="0"/>
-              <a:t>6/5/2020</a:t>
+              <a:t>6/7/2020</a:t>
             </a:fld>
             <a:endParaRPr lang="en-US" dirty="0"/>
           </a:p>
@@ -4206,7 +4206,7 @@
           <a:p>
             <a:fld id="{CAAED52A-4DB9-477E-8FA6-EFA1723225C0}" type="datetime1">
               <a:rPr lang="en-US" smtClean="0"/>
-              <a:t>6/5/2020</a:t>
+              <a:t>6/7/2020</a:t>
             </a:fld>
             <a:endParaRPr lang="en-US" dirty="0"/>
           </a:p>
@@ -4470,7 +4470,7 @@
           <a:ln/>
           <a:extLst>
             <a:ext uri="{91240B29-F687-4f45-9708-019B960494DF}">
-              <a14:hiddenLine xmlns="" xmlns:a14="http://schemas.microsoft.com/office/drawing/2010/main" w="9525">
+              <a14:hiddenLine xmlns:a14="http://schemas.microsoft.com/office/drawing/2010/main" xmlns="" w="9525">
                 <a:solidFill>
                   <a:srgbClr val="000000"/>
                 </a:solidFill>
@@ -4669,7 +4669,7 @@
           <a:p>
             <a:fld id="{76395BC2-041D-4BFD-90E5-0281AA95C4F8}" type="datetime1">
               <a:rPr lang="en-US" smtClean="0"/>
-              <a:t>6/5/2020</a:t>
+              <a:t>6/7/2020</a:t>
             </a:fld>
             <a:endParaRPr lang="en-US" dirty="0"/>
           </a:p>
@@ -4978,7 +4978,7 @@
           <a:p>
             <a:fld id="{99882C83-E2E7-4E14-8989-44350B9DDE3D}" type="datetime1">
               <a:rPr lang="en-US" smtClean="0"/>
-              <a:t>6/5/2020</a:t>
+              <a:t>6/7/2020</a:t>
             </a:fld>
             <a:endParaRPr lang="en-US" dirty="0"/>
           </a:p>
@@ -5244,7 +5244,7 @@
           <a:p>
             <a:fld id="{86F7BD38-A805-4B2C-9BDF-D56E94387879}" type="datetime1">
               <a:rPr lang="en-US" smtClean="0"/>
-              <a:t>6/5/2020</a:t>
+              <a:t>6/7/2020</a:t>
             </a:fld>
             <a:endParaRPr lang="en-US" dirty="0"/>
           </a:p>
@@ -5974,7 +5974,7 @@
           <a:effectLst/>
           <a:extLst>
             <a:ext uri="{91240B29-F687-4f45-9708-019B960494DF}">
-              <a14:hiddenLine xmlns="" xmlns:a14="http://schemas.microsoft.com/office/drawing/2010/main" xmlns:p14="http://schemas.microsoft.com/office/powerpoint/2010/main" xmlns:a16="http://schemas.microsoft.com/office/drawing/2014/main" w="9525">
+              <a14:hiddenLine xmlns:a16="http://schemas.microsoft.com/office/drawing/2014/main" xmlns:p14="http://schemas.microsoft.com/office/powerpoint/2010/main" xmlns:a14="http://schemas.microsoft.com/office/drawing/2010/main" xmlns="" w="9525">
                 <a:solidFill>
                   <a:srgbClr val="000000"/>
                 </a:solidFill>
@@ -6055,8 +6055,8 @@
         </p:nvSpPr>
         <p:spPr>
           <a:xfrm>
-            <a:off x="6095999" y="1032918"/>
-            <a:ext cx="5452533" cy="4792165"/>
+            <a:off x="5931017" y="1032918"/>
+            <a:ext cx="5617515" cy="4792165"/>
           </a:xfrm>
           <a:effectLst/>
         </p:spPr>
@@ -6067,8 +6067,12 @@
           <a:lstStyle/>
           <a:p>
             <a:r>
-              <a:rPr lang="en-US" sz="6600" dirty="0"/>
-              <a:t>Contact Manager</a:t>
+              <a:rPr lang="en-US" sz="6000" dirty="0" err="1"/>
+              <a:t>Contactotron</a:t>
+            </a:r>
+            <a:r>
+              <a:rPr lang="en-US" sz="6000" dirty="0"/>
+              <a:t>: Contact Manager of the Future</a:t>
             </a:r>
           </a:p>
         </p:txBody>
@@ -6154,6 +6158,12 @@
           <a:p>
             <a:r>
               <a:rPr lang="en-US" dirty="0"/>
+              <a:t>Thomas (Tommy) Greco – Database/Project Manager</a:t>
+            </a:r>
+          </a:p>
+          <a:p>
+            <a:r>
+              <a:rPr lang="en-US" dirty="0"/>
               <a:t>Jonathon (Jon) Bell - API</a:t>
             </a:r>
           </a:p>
@@ -6161,12 +6171,6 @@
             <a:r>
               <a:rPr lang="en-US" dirty="0"/>
               <a:t>Troy Crawford - API</a:t>
-            </a:r>
-          </a:p>
-          <a:p>
-            <a:r>
-              <a:rPr lang="en-US" dirty="0"/>
-              <a:t>Thomas (Tommy) Greco – Database/Project Manager</a:t>
             </a:r>
           </a:p>
           <a:p>
@@ -6790,7 +6794,7 @@
           <a:effectLst/>
           <a:extLst>
             <a:ext uri="{91240B29-F687-4f45-9708-019B960494DF}">
-              <a14:hiddenLine xmlns:a14="http://schemas.microsoft.com/office/drawing/2010/main" xmlns:p14="http://schemas.microsoft.com/office/powerpoint/2010/main" xmlns:a16="http://schemas.microsoft.com/office/drawing/2014/main" xmlns="" w="9525">
+              <a14:hiddenLine xmlns="" xmlns:a16="http://schemas.microsoft.com/office/drawing/2014/main" xmlns:p14="http://schemas.microsoft.com/office/powerpoint/2010/main" xmlns:a14="http://schemas.microsoft.com/office/drawing/2010/main" w="9525">
                 <a:solidFill>
                   <a:srgbClr val="000000"/>
                 </a:solidFill>
@@ -7293,7 +7297,7 @@
           <a:effectLst/>
           <a:extLst>
             <a:ext uri="{91240B29-F687-4f45-9708-019B960494DF}">
-              <a14:hiddenLine xmlns:a14="http://schemas.microsoft.com/office/drawing/2010/main" xmlns:p14="http://schemas.microsoft.com/office/powerpoint/2010/main" xmlns:a16="http://schemas.microsoft.com/office/drawing/2014/main" xmlns="" w="9525">
+              <a14:hiddenLine xmlns="" xmlns:a16="http://schemas.microsoft.com/office/drawing/2014/main" xmlns:p14="http://schemas.microsoft.com/office/powerpoint/2010/main" xmlns:a14="http://schemas.microsoft.com/office/drawing/2010/main" w="9525">
                 <a:solidFill>
                   <a:srgbClr val="000000"/>
                 </a:solidFill>
@@ -7647,8 +7651,8 @@
         </p:blipFill>
         <p:spPr>
           <a:xfrm>
-            <a:off x="5280472" y="2135422"/>
-            <a:ext cx="6268062" cy="2413981"/>
+            <a:off x="5328775" y="2135422"/>
+            <a:ext cx="6171456" cy="2413981"/>
           </a:xfrm>
           <a:prstGeom prst="roundRect">
             <a:avLst>
@@ -7796,7 +7800,7 @@
           <a:effectLst/>
           <a:extLst>
             <a:ext uri="{91240B29-F687-4f45-9708-019B960494DF}">
-              <a14:hiddenLine xmlns:a14="http://schemas.microsoft.com/office/drawing/2010/main" xmlns:p14="http://schemas.microsoft.com/office/powerpoint/2010/main" xmlns:a16="http://schemas.microsoft.com/office/drawing/2014/main" xmlns="" w="9525">
+              <a14:hiddenLine xmlns="" xmlns:a16="http://schemas.microsoft.com/office/drawing/2014/main" xmlns:p14="http://schemas.microsoft.com/office/powerpoint/2010/main" xmlns:a14="http://schemas.microsoft.com/office/drawing/2010/main" w="9525">
                 <a:solidFill>
                   <a:srgbClr val="000000"/>
                 </a:solidFill>
@@ -8712,6 +8716,23 @@
 </file>
 
 <file path=customXml/item1.xml><?xml version="1.0" encoding="utf-8"?>
+<p:properties xmlns:p="http://schemas.microsoft.com/office/2006/metadata/properties" xmlns:xsi="http://www.w3.org/2001/XMLSchema-instance" xmlns:pc="http://schemas.microsoft.com/office/infopath/2007/PartnerControls">
+  <documentManagement>
+    <MediaServiceKeyPoints xmlns="71af3243-3dd4-4a8d-8c0d-dd76da1f02a5" xsi:nil="true"/>
+  </documentManagement>
+</p:properties>
+</file>
+
+<file path=customXml/item2.xml><?xml version="1.0" encoding="utf-8"?>
+<?mso-contentType ?>
+<FormTemplates xmlns="http://schemas.microsoft.com/sharepoint/v3/contenttype/forms">
+  <Display>DocumentLibraryForm</Display>
+  <Edit>DocumentLibraryForm</Edit>
+  <New>DocumentLibraryForm</New>
+</FormTemplates>
+</file>
+
+<file path=customXml/item3.xml><?xml version="1.0" encoding="utf-8"?>
 <ct:contentTypeSchema xmlns:ct="http://schemas.microsoft.com/office/2006/metadata/contentType" xmlns:ma="http://schemas.microsoft.com/office/2006/metadata/properties/metaAttributes" ct:_="" ma:_="" ma:contentTypeName="Document" ma:contentTypeID="0x01010079F111ED35F8CC479449609E8A0923A6" ma:contentTypeVersion="11" ma:contentTypeDescription="Create a new document." ma:contentTypeScope="" ma:versionID="9677210f24a1be23c92c90fd886aa0aa">
   <xsd:schema xmlns:xsd="http://www.w3.org/2001/XMLSchema" xmlns:xs="http://www.w3.org/2001/XMLSchema" xmlns:p="http://schemas.microsoft.com/office/2006/metadata/properties" xmlns:ns2="71af3243-3dd4-4a8d-8c0d-dd76da1f02a5" xmlns:ns3="16c05727-aa75-4e4a-9b5f-8a80a1165891" targetNamespace="http://schemas.microsoft.com/office/2006/metadata/properties" ma:root="true" ma:fieldsID="60e05723c5c1908df1a1a4ebf11d344e" ns2:_="" ns3:_="">
     <xsd:import namespace="71af3243-3dd4-4a8d-8c0d-dd76da1f02a5"/>
@@ -8922,24 +8943,32 @@
 </ct:contentTypeSchema>
 </file>
 
-<file path=customXml/item2.xml><?xml version="1.0" encoding="utf-8"?>
-<?mso-contentType ?>
-<FormTemplates xmlns="http://schemas.microsoft.com/sharepoint/v3/contenttype/forms">
-  <Display>DocumentLibraryForm</Display>
-  <Edit>DocumentLibraryForm</Edit>
-  <New>DocumentLibraryForm</New>
-</FormTemplates>
+<file path=customXml/itemProps1.xml><?xml version="1.0" encoding="utf-8"?>
+<ds:datastoreItem xmlns:ds="http://schemas.openxmlformats.org/officeDocument/2006/customXml" ds:itemID="{F3E96646-423E-4354-94C2-1A28227BF075}">
+  <ds:schemaRefs>
+    <ds:schemaRef ds:uri="http://purl.org/dc/terms/"/>
+    <ds:schemaRef ds:uri="http://www.w3.org/XML/1998/namespace"/>
+    <ds:schemaRef ds:uri="http://purl.org/dc/dcmitype/"/>
+    <ds:schemaRef ds:uri="http://schemas.microsoft.com/office/2006/documentManagement/types"/>
+    <ds:schemaRef ds:uri="http://purl.org/dc/elements/1.1/"/>
+    <ds:schemaRef ds:uri="http://schemas.openxmlformats.org/package/2006/metadata/core-properties"/>
+    <ds:schemaRef ds:uri="71af3243-3dd4-4a8d-8c0d-dd76da1f02a5"/>
+    <ds:schemaRef ds:uri="http://schemas.microsoft.com/office/infopath/2007/PartnerControls"/>
+    <ds:schemaRef ds:uri="16c05727-aa75-4e4a-9b5f-8a80a1165891"/>
+    <ds:schemaRef ds:uri="http://schemas.microsoft.com/office/2006/metadata/properties"/>
+  </ds:schemaRefs>
+</ds:datastoreItem>
 </file>
 
-<file path=customXml/item3.xml><?xml version="1.0" encoding="utf-8"?>
-<p:properties xmlns:p="http://schemas.microsoft.com/office/2006/metadata/properties" xmlns:xsi="http://www.w3.org/2001/XMLSchema-instance" xmlns:pc="http://schemas.microsoft.com/office/infopath/2007/PartnerControls">
-  <documentManagement>
-    <MediaServiceKeyPoints xmlns="71af3243-3dd4-4a8d-8c0d-dd76da1f02a5" xsi:nil="true"/>
-  </documentManagement>
-</p:properties>
+<file path=customXml/itemProps2.xml><?xml version="1.0" encoding="utf-8"?>
+<ds:datastoreItem xmlns:ds="http://schemas.openxmlformats.org/officeDocument/2006/customXml" ds:itemID="{A2F4A21B-80B9-40F1-8308-E0B7F0FE0B09}">
+  <ds:schemaRefs>
+    <ds:schemaRef ds:uri="http://schemas.microsoft.com/sharepoint/v3/contenttype/forms"/>
+  </ds:schemaRefs>
+</ds:datastoreItem>
 </file>
 
-<file path=customXml/itemProps1.xml><?xml version="1.0" encoding="utf-8"?>
+<file path=customXml/itemProps3.xml><?xml version="1.0" encoding="utf-8"?>
 <ds:datastoreItem xmlns:ds="http://schemas.openxmlformats.org/officeDocument/2006/customXml" ds:itemID="{0F051B7F-F45F-4FBB-974B-85B568B21B4D}">
   <ds:schemaRefs>
     <ds:schemaRef ds:uri="http://schemas.microsoft.com/office/2006/metadata/contentType"/>
@@ -8956,29 +8985,4 @@
     <ds:schemaRef ds:uri="http://schemas.microsoft.com/internal/obd"/>
   </ds:schemaRefs>
 </ds:datastoreItem>
-</file>
-
-<file path=customXml/itemProps2.xml><?xml version="1.0" encoding="utf-8"?>
-<ds:datastoreItem xmlns:ds="http://schemas.openxmlformats.org/officeDocument/2006/customXml" ds:itemID="{A2F4A21B-80B9-40F1-8308-E0B7F0FE0B09}">
-  <ds:schemaRefs>
-    <ds:schemaRef ds:uri="http://schemas.microsoft.com/sharepoint/v3/contenttype/forms"/>
-  </ds:schemaRefs>
-</ds:datastoreItem>
-</file>
-
-<file path=customXml/itemProps3.xml><?xml version="1.0" encoding="utf-8"?>
-<ds:datastoreItem xmlns:ds="http://schemas.openxmlformats.org/officeDocument/2006/customXml" ds:itemID="{F3E96646-423E-4354-94C2-1A28227BF075}">
-  <ds:schemaRefs>
-    <ds:schemaRef ds:uri="http://schemas.microsoft.com/office/infopath/2007/PartnerControls"/>
-    <ds:schemaRef ds:uri="71af3243-3dd4-4a8d-8c0d-dd76da1f02a5"/>
-    <ds:schemaRef ds:uri="http://www.w3.org/XML/1998/namespace"/>
-    <ds:schemaRef ds:uri="16c05727-aa75-4e4a-9b5f-8a80a1165891"/>
-    <ds:schemaRef ds:uri="http://schemas.microsoft.com/office/2006/metadata/properties"/>
-    <ds:schemaRef ds:uri="http://purl.org/dc/terms/"/>
-    <ds:schemaRef ds:uri="http://schemas.microsoft.com/office/2006/documentManagement/types"/>
-    <ds:schemaRef ds:uri="http://schemas.openxmlformats.org/package/2006/metadata/core-properties"/>
-    <ds:schemaRef ds:uri="http://purl.org/dc/dcmitype/"/>
-    <ds:schemaRef ds:uri="http://purl.org/dc/elements/1.1/"/>
-  </ds:schemaRefs>
-</ds:datastoreItem>
 </file>